--- a/smart-tracking-game/smart-tracking-game-client/public/assets/스마트한_추적놀이_스토리보드.pptx
+++ b/smart-tracking-game/smart-tracking-game-client/public/assets/스마트한_추적놀이_스토리보드.pptx
@@ -843,7 +843,7 @@
               <a:pPr>
                 <a:defRPr/>
               </a:pPr>
-              <a:t>2023-06-13</a:t>
+              <a:t>2023-06-26</a:t>
             </a:fld>
             <a:endParaRPr lang="en-US" altLang="ko-KR" dirty="0"/>
           </a:p>
@@ -3160,7 +3160,7 @@
           <a:p>
             <a:fld id="{C764DE79-268F-4C1A-8933-263129D2AF90}" type="datetimeFigureOut">
               <a:rPr lang="en-US" dirty="0"/>
-              <a:t>6/13/2023</a:t>
+              <a:t>6/26/2023</a:t>
             </a:fld>
             <a:endParaRPr lang="en-US" dirty="0"/>
           </a:p>
@@ -11355,7 +11355,7 @@
           <p:nvPr>
             <p:extLst>
               <p:ext uri="{D42A27DB-BD31-4B8C-83A1-F6EECF244321}">
-                <p14:modId xmlns:p14="http://schemas.microsoft.com/office/powerpoint/2010/main" val="4173138294"/>
+                <p14:modId xmlns:p14="http://schemas.microsoft.com/office/powerpoint/2010/main" val="1432498072"/>
               </p:ext>
             </p:extLst>
           </p:nvPr>
@@ -12676,6 +12676,13 @@
                     <a:lstStyle/>
                     <a:p>
                       <a:pPr algn="ctr" latinLnBrk="1"/>
+                      <a:r>
+                        <a:rPr lang="en-US" altLang="ko-KR" sz="1100" dirty="0">
+                          <a:latin typeface="+mn-ea"/>
+                          <a:ea typeface="+mn-ea"/>
+                        </a:rPr>
+                        <a:t>2.0.1</a:t>
+                      </a:r>
                       <a:endParaRPr lang="ko-KR" altLang="en-US" sz="1100" dirty="0">
                         <a:latin typeface="+mn-ea"/>
                         <a:ea typeface="+mn-ea"/>
@@ -12739,6 +12746,13 @@
                     <a:lstStyle/>
                     <a:p>
                       <a:pPr algn="ctr" latinLnBrk="1"/>
+                      <a:r>
+                        <a:rPr lang="en-US" altLang="ko-KR" sz="1100" dirty="0">
+                          <a:latin typeface="+mn-ea"/>
+                          <a:ea typeface="+mn-ea"/>
+                        </a:rPr>
+                        <a:t>23.06.27</a:t>
+                      </a:r>
                       <a:endParaRPr lang="ko-KR" altLang="en-US" sz="1100" dirty="0">
                         <a:latin typeface="+mn-ea"/>
                         <a:ea typeface="+mn-ea"/>
@@ -12802,6 +12816,39 @@
                     <a:lstStyle/>
                     <a:p>
                       <a:pPr algn="l" latinLnBrk="1"/>
+                      <a:r>
+                        <a:rPr kumimoji="1" lang="ko-KR" altLang="en-US" sz="1100" kern="1200" dirty="0">
+                          <a:solidFill>
+                            <a:schemeClr val="tx1"/>
+                          </a:solidFill>
+                          <a:latin typeface="+mj-ea"/>
+                          <a:ea typeface="+mn-ea"/>
+                          <a:cs typeface="+mn-cs"/>
+                        </a:rPr>
+                        <a:t>조 관리 페이지</a:t>
+                      </a:r>
+                      <a:r>
+                        <a:rPr kumimoji="1" lang="en-US" altLang="ko-KR" sz="1100" kern="1200" dirty="0">
+                          <a:solidFill>
+                            <a:schemeClr val="tx1"/>
+                          </a:solidFill>
+                          <a:latin typeface="+mj-ea"/>
+                          <a:ea typeface="+mn-ea"/>
+                          <a:cs typeface="+mn-cs"/>
+                        </a:rPr>
+                        <a:t>(ppt-33 page) </a:t>
+                      </a:r>
+                      <a:r>
+                        <a:rPr kumimoji="1" lang="ko-KR" altLang="en-US" sz="1100" kern="1200" dirty="0">
+                          <a:solidFill>
+                            <a:schemeClr val="tx1"/>
+                          </a:solidFill>
+                          <a:latin typeface="+mj-ea"/>
+                          <a:ea typeface="+mn-ea"/>
+                          <a:cs typeface="+mn-cs"/>
+                        </a:rPr>
+                        <a:t>삭제 버튼 추가</a:t>
+                      </a:r>
                       <a:endParaRPr lang="ko-KR" altLang="en-US" sz="1100" dirty="0">
                         <a:latin typeface="+mn-ea"/>
                         <a:ea typeface="+mn-ea"/>
@@ -12865,10 +12912,13 @@
                     <a:lstStyle/>
                     <a:p>
                       <a:pPr algn="ctr" latinLnBrk="1"/>
-                      <a:endParaRPr lang="en-US" altLang="ko-KR" sz="1100" dirty="0">
-                        <a:latin typeface="+mn-ea"/>
-                        <a:ea typeface="+mn-ea"/>
-                      </a:endParaRPr>
+                      <a:r>
+                        <a:rPr lang="ko-KR" altLang="en-US" sz="1100" dirty="0">
+                          <a:latin typeface="+mn-ea"/>
+                          <a:ea typeface="+mn-ea"/>
+                        </a:rPr>
+                        <a:t>박수현</a:t>
+                      </a:r>
                     </a:p>
                   </a:txBody>
                   <a:tcPr anchor="ctr">
@@ -12928,10 +12978,13 @@
                     <a:lstStyle/>
                     <a:p>
                       <a:pPr algn="ctr" latinLnBrk="1"/>
-                      <a:endParaRPr lang="ko-KR" altLang="en-US" sz="1100" dirty="0">
-                        <a:latin typeface="+mn-ea"/>
-                        <a:ea typeface="+mn-ea"/>
-                      </a:endParaRPr>
+                      <a:r>
+                        <a:rPr lang="ko-KR" altLang="en-US" sz="1100" dirty="0">
+                          <a:latin typeface="+mn-ea"/>
+                          <a:ea typeface="+mn-ea"/>
+                        </a:rPr>
+                        <a:t>박수현</a:t>
+                      </a:r>
                     </a:p>
                   </a:txBody>
                   <a:tcPr anchor="ctr">
@@ -12991,10 +13044,13 @@
                     <a:lstStyle/>
                     <a:p>
                       <a:pPr algn="ctr" latinLnBrk="1"/>
-                      <a:endParaRPr lang="ko-KR" altLang="en-US" sz="1100" dirty="0">
-                        <a:latin typeface="+mn-ea"/>
-                        <a:ea typeface="+mn-ea"/>
-                      </a:endParaRPr>
+                      <a:r>
+                        <a:rPr lang="ko-KR" altLang="en-US" sz="1100" dirty="0">
+                          <a:latin typeface="+mn-ea"/>
+                          <a:ea typeface="+mn-ea"/>
+                        </a:rPr>
+                        <a:t>박수현</a:t>
+                      </a:r>
                     </a:p>
                   </a:txBody>
                   <a:tcPr anchor="ctr">
@@ -24704,10 +24760,10 @@
       </p:grpSpPr>
       <p:pic>
         <p:nvPicPr>
-          <p:cNvPr id="5" name="그림 4" descr="텍스트, 전자제품, 스크린샷, 폰트이(가) 표시된 사진&#10;&#10;자동 생성된 설명">
+          <p:cNvPr id="12" name="그림 11" descr="텍스트, 스크린샷, 폰트, 번호이(가) 표시된 사진&#10;&#10;자동 생성된 설명">
             <a:extLst>
               <a:ext uri="{FF2B5EF4-FFF2-40B4-BE49-F238E27FC236}">
-                <a16:creationId xmlns:a16="http://schemas.microsoft.com/office/drawing/2014/main" id="{47CBFF93-7048-7A4F-33C8-A75D80A68042}"/>
+                <a16:creationId xmlns:a16="http://schemas.microsoft.com/office/drawing/2014/main" id="{DE2E46DD-4CF7-EB74-259D-3E54F61987CB}"/>
               </a:ext>
             </a:extLst>
           </p:cNvPr>
@@ -24730,8 +24786,8 @@
         </p:blipFill>
         <p:spPr>
           <a:xfrm>
-            <a:off x="1763688" y="774751"/>
-            <a:ext cx="4161406" cy="5723481"/>
+            <a:off x="1763687" y="774751"/>
+            <a:ext cx="4161407" cy="5723483"/>
           </a:xfrm>
           <a:prstGeom prst="rect">
             <a:avLst/>
@@ -25727,6 +25783,42 @@
           <a:chExt cx="0" cy="0"/>
         </a:xfrm>
       </p:grpSpPr>
+      <p:pic>
+        <p:nvPicPr>
+          <p:cNvPr id="10" name="그림 9" descr="텍스트, 스크린샷, 폰트, 번호이(가) 표시된 사진&#10;&#10;자동 생성된 설명">
+            <a:extLst>
+              <a:ext uri="{FF2B5EF4-FFF2-40B4-BE49-F238E27FC236}">
+                <a16:creationId xmlns:a16="http://schemas.microsoft.com/office/drawing/2014/main" id="{BE24B641-5430-A4AF-A1C2-777C65CF97A6}"/>
+              </a:ext>
+            </a:extLst>
+          </p:cNvPr>
+          <p:cNvPicPr>
+            <a:picLocks noChangeAspect="1"/>
+          </p:cNvPicPr>
+          <p:nvPr/>
+        </p:nvPicPr>
+        <p:blipFill>
+          <a:blip r:embed="rId2">
+            <a:extLst>
+              <a:ext uri="{28A0092B-C50C-407E-A947-70E740481C1C}">
+                <a14:useLocalDpi xmlns:a14="http://schemas.microsoft.com/office/drawing/2010/main" val="0"/>
+              </a:ext>
+            </a:extLst>
+          </a:blip>
+          <a:stretch>
+            <a:fillRect/>
+          </a:stretch>
+        </p:blipFill>
+        <p:spPr>
+          <a:xfrm>
+            <a:off x="1693066" y="1412776"/>
+            <a:ext cx="4192426" cy="4394704"/>
+          </a:xfrm>
+          <a:prstGeom prst="rect">
+            <a:avLst/>
+          </a:prstGeom>
+        </p:spPr>
+      </p:pic>
       <p:sp>
         <p:nvSpPr>
           <p:cNvPr id="2" name="제목 1">
@@ -25835,7 +25927,7 @@
         <p:spPr>
           <a:xfrm>
             <a:off x="7396756" y="1601757"/>
-            <a:ext cx="1747244" cy="1570495"/>
+            <a:ext cx="1747244" cy="1841338"/>
           </a:xfrm>
           <a:prstGeom prst="rect">
             <a:avLst/>
@@ -26004,6 +26096,56 @@
                 <a:ea typeface="+mj-ea"/>
               </a:rPr>
               <a:t>3. </a:t>
+            </a:r>
+            <a:r>
+              <a:rPr lang="ko-KR" altLang="en-US" sz="800" dirty="0">
+                <a:latin typeface="+mj-ea"/>
+                <a:ea typeface="+mj-ea"/>
+              </a:rPr>
+              <a:t>클릭 시</a:t>
+            </a:r>
+            <a:endParaRPr lang="en-US" altLang="ko-KR" sz="800" dirty="0">
+              <a:latin typeface="+mj-ea"/>
+              <a:ea typeface="+mj-ea"/>
+            </a:endParaRPr>
+          </a:p>
+          <a:p>
+            <a:pPr>
+              <a:lnSpc>
+                <a:spcPct val="110000"/>
+              </a:lnSpc>
+            </a:pPr>
+            <a:r>
+              <a:rPr lang="en-US" altLang="ko-KR" sz="800" dirty="0">
+                <a:latin typeface="+mj-ea"/>
+                <a:ea typeface="+mj-ea"/>
+              </a:rPr>
+              <a:t>   </a:t>
+            </a:r>
+            <a:r>
+              <a:rPr lang="ko-KR" altLang="en-US" sz="800" dirty="0">
+                <a:latin typeface="+mj-ea"/>
+                <a:ea typeface="+mj-ea"/>
+              </a:rPr>
+              <a:t>해당 조의 모든 정보가 삭제됨</a:t>
+            </a:r>
+            <a:endParaRPr lang="en-US" altLang="ko-KR" sz="800" dirty="0">
+              <a:latin typeface="+mj-ea"/>
+              <a:ea typeface="+mj-ea"/>
+            </a:endParaRPr>
+          </a:p>
+          <a:p>
+            <a:pPr>
+              <a:lnSpc>
+                <a:spcPct val="110000"/>
+              </a:lnSpc>
+            </a:pPr>
+            <a:r>
+              <a:rPr lang="en-US" altLang="ko-KR" sz="800" dirty="0">
+                <a:latin typeface="+mj-ea"/>
+                <a:ea typeface="+mj-ea"/>
+              </a:rPr>
+              <a:t>4. </a:t>
             </a:r>
             <a:r>
               <a:rPr lang="ko-KR" altLang="en-US" sz="800" dirty="0">
@@ -26240,42 +26382,6 @@
           </a:p>
         </p:txBody>
       </p:sp>
-      <p:pic>
-        <p:nvPicPr>
-          <p:cNvPr id="4" name="그림 3" descr="텍스트, 스크린샷, 폰트, 번호이(가) 표시된 사진&#10;&#10;자동 생성된 설명">
-            <a:extLst>
-              <a:ext uri="{FF2B5EF4-FFF2-40B4-BE49-F238E27FC236}">
-                <a16:creationId xmlns:a16="http://schemas.microsoft.com/office/drawing/2014/main" id="{4AC14524-CB23-54A9-DA08-2BA8C8B9A218}"/>
-              </a:ext>
-            </a:extLst>
-          </p:cNvPr>
-          <p:cNvPicPr>
-            <a:picLocks noChangeAspect="1"/>
-          </p:cNvPicPr>
-          <p:nvPr/>
-        </p:nvPicPr>
-        <p:blipFill>
-          <a:blip r:embed="rId2">
-            <a:extLst>
-              <a:ext uri="{28A0092B-C50C-407E-A947-70E740481C1C}">
-                <a14:useLocalDpi xmlns:a14="http://schemas.microsoft.com/office/drawing/2010/main" val="0"/>
-              </a:ext>
-            </a:extLst>
-          </a:blip>
-          <a:stretch>
-            <a:fillRect/>
-          </a:stretch>
-        </p:blipFill>
-        <p:spPr>
-          <a:xfrm>
-            <a:off x="1693066" y="1412776"/>
-            <a:ext cx="4192426" cy="4394704"/>
-          </a:xfrm>
-          <a:prstGeom prst="rect">
-            <a:avLst/>
-          </a:prstGeom>
-        </p:spPr>
-      </p:pic>
       <p:sp>
         <p:nvSpPr>
           <p:cNvPr id="5" name="타원 4">
@@ -26404,7 +26510,7 @@
                 <a:latin typeface="+mj-ea"/>
                 <a:ea typeface="+mj-ea"/>
               </a:rPr>
-              <a:t>3</a:t>
+              <a:t>4</a:t>
             </a:r>
             <a:endParaRPr lang="ko-KR" altLang="en-US" sz="1400" b="1" dirty="0">
               <a:solidFill>
@@ -26431,7 +26537,7 @@
         <p:spPr>
           <a:xfrm>
             <a:off x="2339752" y="1558564"/>
-            <a:ext cx="3384376" cy="792088"/>
+            <a:ext cx="2952328" cy="792088"/>
           </a:xfrm>
           <a:prstGeom prst="roundRect">
             <a:avLst>
@@ -26530,6 +26636,76 @@
                 <a:ea typeface="+mj-ea"/>
               </a:rPr>
               <a:t>2</a:t>
+            </a:r>
+            <a:endParaRPr lang="ko-KR" altLang="en-US" sz="1400" b="1" dirty="0">
+              <a:solidFill>
+                <a:schemeClr val="tx1"/>
+              </a:solidFill>
+              <a:latin typeface="+mj-ea"/>
+              <a:ea typeface="+mj-ea"/>
+            </a:endParaRPr>
+          </a:p>
+        </p:txBody>
+      </p:sp>
+      <p:sp>
+        <p:nvSpPr>
+          <p:cNvPr id="11" name="타원 10">
+            <a:extLst>
+              <a:ext uri="{FF2B5EF4-FFF2-40B4-BE49-F238E27FC236}">
+                <a16:creationId xmlns:a16="http://schemas.microsoft.com/office/drawing/2014/main" id="{7E6C889B-B44B-EF47-742B-D8F95524EE2E}"/>
+              </a:ext>
+            </a:extLst>
+          </p:cNvPr>
+          <p:cNvSpPr/>
+          <p:nvPr/>
+        </p:nvSpPr>
+        <p:spPr>
+          <a:xfrm>
+            <a:off x="5186913" y="1412776"/>
+            <a:ext cx="291577" cy="291577"/>
+          </a:xfrm>
+          <a:prstGeom prst="ellipse">
+            <a:avLst/>
+          </a:prstGeom>
+          <a:solidFill>
+            <a:srgbClr val="FFFF00"/>
+          </a:solidFill>
+          <a:ln w="19050">
+            <a:solidFill>
+              <a:srgbClr val="FF0000"/>
+            </a:solidFill>
+          </a:ln>
+        </p:spPr>
+        <p:style>
+          <a:lnRef idx="2">
+            <a:schemeClr val="accent1">
+              <a:shade val="50000"/>
+            </a:schemeClr>
+          </a:lnRef>
+          <a:fillRef idx="1">
+            <a:schemeClr val="accent1"/>
+          </a:fillRef>
+          <a:effectRef idx="0">
+            <a:schemeClr val="accent1"/>
+          </a:effectRef>
+          <a:fontRef idx="minor">
+            <a:schemeClr val="lt1"/>
+          </a:fontRef>
+        </p:style>
+        <p:txBody>
+          <a:bodyPr rtlCol="0" anchor="ctr"/>
+          <a:lstStyle/>
+          <a:p>
+            <a:pPr algn="ctr"/>
+            <a:r>
+              <a:rPr lang="en-US" altLang="ko-KR" sz="1400" b="1" dirty="0">
+                <a:solidFill>
+                  <a:schemeClr val="tx1"/>
+                </a:solidFill>
+                <a:latin typeface="+mj-ea"/>
+                <a:ea typeface="+mj-ea"/>
+              </a:rPr>
+              <a:t>3</a:t>
             </a:r>
             <a:endParaRPr lang="ko-KR" altLang="en-US" sz="1400" b="1" dirty="0">
               <a:solidFill>
